--- a/IOT.pptx
+++ b/IOT.pptx
@@ -5,10 +5,10 @@
     <p:sldMasterId id="2147483648" r:id="rId1"/>
   </p:sldMasterIdLst>
   <p:notesMasterIdLst>
-    <p:notesMasterId r:id="rId8"/>
+    <p:notesMasterId r:id="rId9"/>
   </p:notesMasterIdLst>
   <p:handoutMasterIdLst>
-    <p:handoutMasterId r:id="rId9"/>
+    <p:handoutMasterId r:id="rId10"/>
   </p:handoutMasterIdLst>
   <p:sldIdLst>
     <p:sldId id="265" r:id="rId2"/>
@@ -17,11 +17,12 @@
     <p:sldId id="318" r:id="rId5"/>
     <p:sldId id="319" r:id="rId6"/>
     <p:sldId id="320" r:id="rId7"/>
+    <p:sldId id="321" r:id="rId8"/>
   </p:sldIdLst>
   <p:sldSz cx="12188825" cy="6858000"/>
   <p:notesSz cx="6858000" cy="9144000"/>
   <p:custDataLst>
-    <p:tags r:id="rId10"/>
+    <p:tags r:id="rId11"/>
   </p:custDataLst>
   <p:defaultTextStyle>
     <a:defPPr>
@@ -140,6 +141,10 @@
 </p:presentation>
 </file>
 
+<file path=ppt/revisionInfo.xml><?xml version="1.0" encoding="utf-8"?>
+<p1510:revInfo xmlns:a="http://schemas.openxmlformats.org/drawingml/2006/main" xmlns:r="http://schemas.openxmlformats.org/officeDocument/2006/relationships" xmlns:p1510="http://schemas.microsoft.com/office/powerpoint/2015/10/main"/>
+</file>
+
 <file path=ppt/handoutMasters/handoutMaster1.xml><?xml version="1.0" encoding="utf-8"?>
 <p:handoutMaster xmlns:a="http://schemas.openxmlformats.org/drawingml/2006/main" xmlns:r="http://schemas.openxmlformats.org/officeDocument/2006/relationships" xmlns:p="http://schemas.openxmlformats.org/presentationml/2006/main">
   <p:cSld>
@@ -222,7 +227,7 @@
           <a:p>
             <a:fld id="{59088EAF-6ECA-4616-85EF-35AA19C641F3}" type="datetimeFigureOut">
               <a:rPr lang="en-US"/>
-              <a:t>1/20/2018</a:t>
+              <a:t>21-Jan-18</a:t>
             </a:fld>
             <a:endParaRPr/>
           </a:p>
@@ -387,7 +392,7 @@
           <a:p>
             <a:fld id="{3ABD2D7A-D230-4F91-BD59-0A39C2703BA8}" type="datetimeFigureOut">
               <a:rPr lang="en-US"/>
-              <a:t>1/20/2018</a:t>
+              <a:t>21-Jan-18</a:t>
             </a:fld>
             <a:endParaRPr/>
           </a:p>
@@ -996,7 +1001,7 @@
           <a:p>
             <a:fld id="{03F41C87-7AD9-4845-A077-840E4A0F3F06}" type="datetimeFigureOut">
               <a:rPr lang="en-US"/>
-              <a:t>1/20/2018</a:t>
+              <a:t>21-Jan-18</a:t>
             </a:fld>
             <a:endParaRPr/>
           </a:p>
@@ -1188,7 +1193,7 @@
           <a:p>
             <a:fld id="{03F41C87-7AD9-4845-A077-840E4A0F3F06}" type="datetimeFigureOut">
               <a:rPr lang="en-US"/>
-              <a:t>1/20/2018</a:t>
+              <a:t>21-Jan-18</a:t>
             </a:fld>
             <a:endParaRPr/>
           </a:p>
@@ -1377,7 +1382,7 @@
           <a:p>
             <a:fld id="{03F41C87-7AD9-4845-A077-840E4A0F3F06}" type="datetimeFigureOut">
               <a:rPr lang="en-US"/>
-              <a:t>1/20/2018</a:t>
+              <a:t>21-Jan-18</a:t>
             </a:fld>
             <a:endParaRPr/>
           </a:p>
@@ -1657,7 +1662,7 @@
           <a:p>
             <a:fld id="{03F41C87-7AD9-4845-A077-840E4A0F3F06}" type="datetimeFigureOut">
               <a:rPr lang="en-US"/>
-              <a:t>1/20/2018</a:t>
+              <a:t>21-Jan-18</a:t>
             </a:fld>
             <a:endParaRPr/>
           </a:p>
@@ -1961,7 +1966,7 @@
           <a:p>
             <a:fld id="{03F41C87-7AD9-4845-A077-840E4A0F3F06}" type="datetimeFigureOut">
               <a:rPr lang="en-US"/>
-              <a:t>1/20/2018</a:t>
+              <a:t>21-Jan-18</a:t>
             </a:fld>
             <a:endParaRPr/>
           </a:p>
@@ -2417,7 +2422,7 @@
           <a:p>
             <a:fld id="{03F41C87-7AD9-4845-A077-840E4A0F3F06}" type="datetimeFigureOut">
               <a:rPr lang="en-US"/>
-              <a:t>1/20/2018</a:t>
+              <a:t>21-Jan-18</a:t>
             </a:fld>
             <a:endParaRPr/>
           </a:p>
@@ -2547,7 +2552,7 @@
           <a:p>
             <a:fld id="{03F41C87-7AD9-4845-A077-840E4A0F3F06}" type="datetimeFigureOut">
               <a:rPr lang="en-US"/>
-              <a:t>1/20/2018</a:t>
+              <a:t>21-Jan-18</a:t>
             </a:fld>
             <a:endParaRPr/>
           </a:p>
@@ -2662,7 +2667,7 @@
           <a:p>
             <a:fld id="{03F41C87-7AD9-4845-A077-840E4A0F3F06}" type="datetimeFigureOut">
               <a:rPr lang="en-US"/>
-              <a:t>1/20/2018</a:t>
+              <a:t>21-Jan-18</a:t>
             </a:fld>
             <a:endParaRPr/>
           </a:p>
@@ -2984,7 +2989,7 @@
           <a:p>
             <a:fld id="{03F41C87-7AD9-4845-A077-840E4A0F3F06}" type="datetimeFigureOut">
               <a:rPr lang="en-US"/>
-              <a:t>1/20/2018</a:t>
+              <a:t>21-Jan-18</a:t>
             </a:fld>
             <a:endParaRPr/>
           </a:p>
@@ -3296,7 +3301,7 @@
             <a:fld id="{03F41C87-7AD9-4845-A077-840E4A0F3F06}" type="datetimeFigureOut">
               <a:rPr lang="en-US"/>
               <a:pPr/>
-              <a:t>1/20/2018</a:t>
+              <a:t>21-Jan-18</a:t>
             </a:fld>
             <a:endParaRPr/>
           </a:p>
@@ -3550,7 +3555,7 @@
             <a:fld id="{03F41C87-7AD9-4845-A077-840E4A0F3F06}" type="datetimeFigureOut">
               <a:rPr lang="en-US" smtClean="0"/>
               <a:pPr/>
-              <a:t>1/20/2018</a:t>
+              <a:t>21-Jan-18</a:t>
             </a:fld>
             <a:endParaRPr lang="en-US"/>
           </a:p>
@@ -4714,6 +4719,300 @@
     <p:extLst>
       <p:ext uri="{BB962C8B-B14F-4D97-AF65-F5344CB8AC3E}">
         <p14:creationId xmlns:p14="http://schemas.microsoft.com/office/powerpoint/2010/main" val="2757939065"/>
+      </p:ext>
+    </p:extLst>
+  </p:cSld>
+  <p:clrMapOvr>
+    <a:masterClrMapping/>
+  </p:clrMapOvr>
+  <mc:AlternateContent xmlns:mc="http://schemas.openxmlformats.org/markup-compatibility/2006" xmlns:p14="http://schemas.microsoft.com/office/powerpoint/2010/main">
+    <mc:Choice Requires="p14">
+      <p:transition spd="med" p14:dur="700">
+        <p:fade/>
+      </p:transition>
+    </mc:Choice>
+    <mc:Fallback xmlns="">
+      <p:transition spd="med">
+        <p:fade/>
+      </p:transition>
+    </mc:Fallback>
+  </mc:AlternateContent>
+</p:sld>
+</file>
+
+<file path=ppt/slides/slide7.xml><?xml version="1.0" encoding="utf-8"?>
+<p:sld xmlns:a="http://schemas.openxmlformats.org/drawingml/2006/main" xmlns:r="http://schemas.openxmlformats.org/officeDocument/2006/relationships" xmlns:p="http://schemas.openxmlformats.org/presentationml/2006/main">
+  <p:cSld>
+    <p:spTree>
+      <p:nvGrpSpPr>
+        <p:cNvPr id="1" name=""/>
+        <p:cNvGrpSpPr/>
+        <p:nvPr/>
+      </p:nvGrpSpPr>
+      <p:grpSpPr>
+        <a:xfrm>
+          <a:off x="0" y="0"/>
+          <a:ext cx="0" cy="0"/>
+          <a:chOff x="0" y="0"/>
+          <a:chExt cx="0" cy="0"/>
+        </a:xfrm>
+      </p:grpSpPr>
+      <p:sp>
+        <p:nvSpPr>
+          <p:cNvPr id="2" name="Title 1">
+            <a:extLst>
+              <a:ext uri="{FF2B5EF4-FFF2-40B4-BE49-F238E27FC236}">
+                <a16:creationId xmlns:a16="http://schemas.microsoft.com/office/drawing/2014/main" id="{4BEF5565-062D-486D-9E82-DEE7C139209C}"/>
+              </a:ext>
+            </a:extLst>
+          </p:cNvPr>
+          <p:cNvSpPr>
+            <a:spLocks noGrp="1"/>
+          </p:cNvSpPr>
+          <p:nvPr>
+            <p:ph type="title"/>
+          </p:nvPr>
+        </p:nvSpPr>
+        <p:spPr/>
+        <p:txBody>
+          <a:bodyPr/>
+          <a:lstStyle/>
+          <a:p>
+            <a:r>
+              <a:rPr lang="en-US" dirty="0"/>
+              <a:t>Team Details</a:t>
+            </a:r>
+          </a:p>
+        </p:txBody>
+      </p:sp>
+      <p:sp>
+        <p:nvSpPr>
+          <p:cNvPr id="3" name="Content Placeholder 2">
+            <a:extLst>
+              <a:ext uri="{FF2B5EF4-FFF2-40B4-BE49-F238E27FC236}">
+                <a16:creationId xmlns:a16="http://schemas.microsoft.com/office/drawing/2014/main" id="{317BECE9-CC6D-4BC5-A8AD-C0A6D6A58B0A}"/>
+              </a:ext>
+            </a:extLst>
+          </p:cNvPr>
+          <p:cNvSpPr>
+            <a:spLocks noGrp="1"/>
+          </p:cNvSpPr>
+          <p:nvPr>
+            <p:ph idx="1"/>
+          </p:nvPr>
+        </p:nvSpPr>
+        <p:spPr>
+          <a:xfrm>
+            <a:off x="1522413" y="1904999"/>
+            <a:ext cx="10260631" cy="4764361"/>
+          </a:xfrm>
+        </p:spPr>
+        <p:txBody>
+          <a:bodyPr>
+            <a:normAutofit fontScale="70000" lnSpcReduction="20000"/>
+          </a:bodyPr>
+          <a:lstStyle/>
+          <a:p>
+            <a:pPr marL="0" indent="0">
+              <a:lnSpc>
+                <a:spcPct val="150000"/>
+              </a:lnSpc>
+              <a:buNone/>
+            </a:pPr>
+            <a:r>
+              <a:rPr lang="en-US" sz="3100" b="1" dirty="0">
+                <a:solidFill>
+                  <a:schemeClr val="accent3">
+                    <a:lumMod val="60000"/>
+                    <a:lumOff val="40000"/>
+                  </a:schemeClr>
+                </a:solidFill>
+                <a:latin typeface="Arial" panose="020B0604020202020204" pitchFamily="34" charset="0"/>
+                <a:cs typeface="Arial" panose="020B0604020202020204" pitchFamily="34" charset="0"/>
+              </a:rPr>
+              <a:t>   Team Name :</a:t>
+            </a:r>
+            <a:r>
+              <a:rPr lang="en-US" sz="3100" b="1" dirty="0" err="1">
+                <a:solidFill>
+                  <a:schemeClr val="accent3">
+                    <a:lumMod val="60000"/>
+                    <a:lumOff val="40000"/>
+                  </a:schemeClr>
+                </a:solidFill>
+                <a:latin typeface="Arial" panose="020B0604020202020204" pitchFamily="34" charset="0"/>
+                <a:cs typeface="Arial" panose="020B0604020202020204" pitchFamily="34" charset="0"/>
+              </a:rPr>
+              <a:t>ismart</a:t>
+            </a:r>
+            <a:endParaRPr lang="en-US" sz="3100" b="1" dirty="0">
+              <a:solidFill>
+                <a:schemeClr val="accent3">
+                  <a:lumMod val="60000"/>
+                  <a:lumOff val="40000"/>
+                </a:schemeClr>
+              </a:solidFill>
+              <a:latin typeface="Arial" panose="020B0604020202020204" pitchFamily="34" charset="0"/>
+              <a:cs typeface="Arial" panose="020B0604020202020204" pitchFamily="34" charset="0"/>
+            </a:endParaRPr>
+          </a:p>
+          <a:p>
+            <a:pPr>
+              <a:lnSpc>
+                <a:spcPct val="150000"/>
+              </a:lnSpc>
+            </a:pPr>
+            <a:r>
+              <a:rPr lang="en-US" sz="3400" b="1" dirty="0"/>
+              <a:t>1.</a:t>
+            </a:r>
+            <a:r>
+              <a:rPr lang="en-US" sz="3400" b="1" dirty="0">
+                <a:solidFill>
+                  <a:schemeClr val="accent3">
+                    <a:lumMod val="60000"/>
+                    <a:lumOff val="40000"/>
+                  </a:schemeClr>
+                </a:solidFill>
+              </a:rPr>
+              <a:t>N.Sujith Mohan</a:t>
+            </a:r>
+          </a:p>
+          <a:p>
+            <a:pPr marL="0" indent="0">
+              <a:lnSpc>
+                <a:spcPct val="150000"/>
+              </a:lnSpc>
+              <a:buNone/>
+            </a:pPr>
+            <a:r>
+              <a:rPr lang="en-US" sz="3400" dirty="0"/>
+              <a:t> </a:t>
+            </a:r>
+            <a:r>
+              <a:rPr lang="en-US" sz="3400" dirty="0">
+                <a:latin typeface="Arial" panose="020B0604020202020204" pitchFamily="34" charset="0"/>
+                <a:cs typeface="Arial" panose="020B0604020202020204" pitchFamily="34" charset="0"/>
+              </a:rPr>
+              <a:t>Phno:8019610236</a:t>
+            </a:r>
+          </a:p>
+          <a:p>
+            <a:pPr marL="0" indent="0">
+              <a:lnSpc>
+                <a:spcPct val="150000"/>
+              </a:lnSpc>
+              <a:buNone/>
+            </a:pPr>
+            <a:r>
+              <a:rPr lang="en-US" sz="3400" dirty="0">
+                <a:latin typeface="Arial" panose="020B0604020202020204" pitchFamily="34" charset="0"/>
+                <a:cs typeface="Arial" panose="020B0604020202020204" pitchFamily="34" charset="0"/>
+              </a:rPr>
+              <a:t>  Email:nmohan1997@gmail.com	</a:t>
+            </a:r>
+          </a:p>
+          <a:p>
+            <a:pPr>
+              <a:lnSpc>
+                <a:spcPct val="150000"/>
+              </a:lnSpc>
+            </a:pPr>
+            <a:r>
+              <a:rPr lang="en-US" sz="3400" b="1" dirty="0"/>
+              <a:t>2</a:t>
+            </a:r>
+            <a:r>
+              <a:rPr lang="en-US" sz="3400" b="1" dirty="0">
+                <a:solidFill>
+                  <a:schemeClr val="accent3">
+                    <a:lumMod val="60000"/>
+                    <a:lumOff val="40000"/>
+                  </a:schemeClr>
+                </a:solidFill>
+              </a:rPr>
+              <a:t>.MD.Sahil </a:t>
+            </a:r>
+            <a:r>
+              <a:rPr lang="en-US" sz="3400" b="1" dirty="0" err="1">
+                <a:solidFill>
+                  <a:schemeClr val="accent3">
+                    <a:lumMod val="60000"/>
+                    <a:lumOff val="40000"/>
+                  </a:schemeClr>
+                </a:solidFill>
+              </a:rPr>
+              <a:t>Afrid</a:t>
+            </a:r>
+            <a:r>
+              <a:rPr lang="en-US" sz="3400" b="1" dirty="0">
+                <a:solidFill>
+                  <a:schemeClr val="accent3">
+                    <a:lumMod val="60000"/>
+                    <a:lumOff val="40000"/>
+                  </a:schemeClr>
+                </a:solidFill>
+              </a:rPr>
+              <a:t> </a:t>
+            </a:r>
+            <a:r>
+              <a:rPr lang="en-US" sz="3400" b="1" dirty="0" err="1">
+                <a:solidFill>
+                  <a:schemeClr val="accent3">
+                    <a:lumMod val="60000"/>
+                    <a:lumOff val="40000"/>
+                  </a:schemeClr>
+                </a:solidFill>
+              </a:rPr>
+              <a:t>Farookhi</a:t>
+            </a:r>
+            <a:endParaRPr lang="en-US" sz="3400" b="1" dirty="0">
+              <a:solidFill>
+                <a:schemeClr val="accent3">
+                  <a:lumMod val="60000"/>
+                  <a:lumOff val="40000"/>
+                </a:schemeClr>
+              </a:solidFill>
+            </a:endParaRPr>
+          </a:p>
+          <a:p>
+            <a:pPr>
+              <a:lnSpc>
+                <a:spcPct val="150000"/>
+              </a:lnSpc>
+            </a:pPr>
+            <a:r>
+              <a:rPr lang="en-US" sz="3400" dirty="0">
+                <a:latin typeface="Arial" panose="020B0604020202020204" pitchFamily="34" charset="0"/>
+                <a:cs typeface="Arial" panose="020B0604020202020204" pitchFamily="34" charset="0"/>
+              </a:rPr>
+              <a:t>Phno:73372888092</a:t>
+            </a:r>
+          </a:p>
+          <a:p>
+            <a:pPr>
+              <a:lnSpc>
+                <a:spcPct val="150000"/>
+              </a:lnSpc>
+            </a:pPr>
+            <a:r>
+              <a:rPr lang="en-US" sz="3400" dirty="0" err="1">
+                <a:latin typeface="Arial" panose="020B0604020202020204" pitchFamily="34" charset="0"/>
+                <a:cs typeface="Arial" panose="020B0604020202020204" pitchFamily="34" charset="0"/>
+              </a:rPr>
+              <a:t>Email:msafarookhi@gmail.com</a:t>
+            </a:r>
+            <a:endParaRPr lang="en-US" sz="3400" dirty="0">
+              <a:latin typeface="Arial" panose="020B0604020202020204" pitchFamily="34" charset="0"/>
+              <a:cs typeface="Arial" panose="020B0604020202020204" pitchFamily="34" charset="0"/>
+            </a:endParaRPr>
+          </a:p>
+        </p:txBody>
+      </p:sp>
+    </p:spTree>
+    <p:extLst>
+      <p:ext uri="{BB962C8B-B14F-4D97-AF65-F5344CB8AC3E}">
+        <p14:creationId xmlns:p14="http://schemas.microsoft.com/office/powerpoint/2010/main" val="894418682"/>
       </p:ext>
     </p:extLst>
   </p:cSld>

--- a/IOT.pptx
+++ b/IOT.pptx
@@ -5,10 +5,10 @@
     <p:sldMasterId id="2147483648" r:id="rId1"/>
   </p:sldMasterIdLst>
   <p:notesMasterIdLst>
-    <p:notesMasterId r:id="rId9"/>
+    <p:notesMasterId r:id="rId8"/>
   </p:notesMasterIdLst>
   <p:handoutMasterIdLst>
-    <p:handoutMasterId r:id="rId10"/>
+    <p:handoutMasterId r:id="rId9"/>
   </p:handoutMasterIdLst>
   <p:sldIdLst>
     <p:sldId id="265" r:id="rId2"/>
@@ -17,12 +17,11 @@
     <p:sldId id="318" r:id="rId5"/>
     <p:sldId id="319" r:id="rId6"/>
     <p:sldId id="320" r:id="rId7"/>
-    <p:sldId id="321" r:id="rId8"/>
   </p:sldIdLst>
   <p:sldSz cx="12188825" cy="6858000"/>
   <p:notesSz cx="6858000" cy="9144000"/>
   <p:custDataLst>
-    <p:tags r:id="rId11"/>
+    <p:tags r:id="rId10"/>
   </p:custDataLst>
   <p:defaultTextStyle>
     <a:defPPr>
@@ -141,10 +140,6 @@
 </p:presentation>
 </file>
 
-<file path=ppt/revisionInfo.xml><?xml version="1.0" encoding="utf-8"?>
-<p1510:revInfo xmlns:a="http://schemas.openxmlformats.org/drawingml/2006/main" xmlns:r="http://schemas.openxmlformats.org/officeDocument/2006/relationships" xmlns:p1510="http://schemas.microsoft.com/office/powerpoint/2015/10/main"/>
-</file>
-
 <file path=ppt/handoutMasters/handoutMaster1.xml><?xml version="1.0" encoding="utf-8"?>
 <p:handoutMaster xmlns:a="http://schemas.openxmlformats.org/drawingml/2006/main" xmlns:r="http://schemas.openxmlformats.org/officeDocument/2006/relationships" xmlns:p="http://schemas.openxmlformats.org/presentationml/2006/main">
   <p:cSld>
@@ -227,7 +222,7 @@
           <a:p>
             <a:fld id="{59088EAF-6ECA-4616-85EF-35AA19C641F3}" type="datetimeFigureOut">
               <a:rPr lang="en-US"/>
-              <a:t>21-Jan-18</a:t>
+              <a:t>1/20/2018</a:t>
             </a:fld>
             <a:endParaRPr/>
           </a:p>
@@ -392,7 +387,7 @@
           <a:p>
             <a:fld id="{3ABD2D7A-D230-4F91-BD59-0A39C2703BA8}" type="datetimeFigureOut">
               <a:rPr lang="en-US"/>
-              <a:t>21-Jan-18</a:t>
+              <a:t>1/20/2018</a:t>
             </a:fld>
             <a:endParaRPr/>
           </a:p>
@@ -1001,7 +996,7 @@
           <a:p>
             <a:fld id="{03F41C87-7AD9-4845-A077-840E4A0F3F06}" type="datetimeFigureOut">
               <a:rPr lang="en-US"/>
-              <a:t>21-Jan-18</a:t>
+              <a:t>1/20/2018</a:t>
             </a:fld>
             <a:endParaRPr/>
           </a:p>
@@ -1193,7 +1188,7 @@
           <a:p>
             <a:fld id="{03F41C87-7AD9-4845-A077-840E4A0F3F06}" type="datetimeFigureOut">
               <a:rPr lang="en-US"/>
-              <a:t>21-Jan-18</a:t>
+              <a:t>1/20/2018</a:t>
             </a:fld>
             <a:endParaRPr/>
           </a:p>
@@ -1382,7 +1377,7 @@
           <a:p>
             <a:fld id="{03F41C87-7AD9-4845-A077-840E4A0F3F06}" type="datetimeFigureOut">
               <a:rPr lang="en-US"/>
-              <a:t>21-Jan-18</a:t>
+              <a:t>1/20/2018</a:t>
             </a:fld>
             <a:endParaRPr/>
           </a:p>
@@ -1662,7 +1657,7 @@
           <a:p>
             <a:fld id="{03F41C87-7AD9-4845-A077-840E4A0F3F06}" type="datetimeFigureOut">
               <a:rPr lang="en-US"/>
-              <a:t>21-Jan-18</a:t>
+              <a:t>1/20/2018</a:t>
             </a:fld>
             <a:endParaRPr/>
           </a:p>
@@ -1966,7 +1961,7 @@
           <a:p>
             <a:fld id="{03F41C87-7AD9-4845-A077-840E4A0F3F06}" type="datetimeFigureOut">
               <a:rPr lang="en-US"/>
-              <a:t>21-Jan-18</a:t>
+              <a:t>1/20/2018</a:t>
             </a:fld>
             <a:endParaRPr/>
           </a:p>
@@ -2422,7 +2417,7 @@
           <a:p>
             <a:fld id="{03F41C87-7AD9-4845-A077-840E4A0F3F06}" type="datetimeFigureOut">
               <a:rPr lang="en-US"/>
-              <a:t>21-Jan-18</a:t>
+              <a:t>1/20/2018</a:t>
             </a:fld>
             <a:endParaRPr/>
           </a:p>
@@ -2552,7 +2547,7 @@
           <a:p>
             <a:fld id="{03F41C87-7AD9-4845-A077-840E4A0F3F06}" type="datetimeFigureOut">
               <a:rPr lang="en-US"/>
-              <a:t>21-Jan-18</a:t>
+              <a:t>1/20/2018</a:t>
             </a:fld>
             <a:endParaRPr/>
           </a:p>
@@ -2667,7 +2662,7 @@
           <a:p>
             <a:fld id="{03F41C87-7AD9-4845-A077-840E4A0F3F06}" type="datetimeFigureOut">
               <a:rPr lang="en-US"/>
-              <a:t>21-Jan-18</a:t>
+              <a:t>1/20/2018</a:t>
             </a:fld>
             <a:endParaRPr/>
           </a:p>
@@ -2989,7 +2984,7 @@
           <a:p>
             <a:fld id="{03F41C87-7AD9-4845-A077-840E4A0F3F06}" type="datetimeFigureOut">
               <a:rPr lang="en-US"/>
-              <a:t>21-Jan-18</a:t>
+              <a:t>1/20/2018</a:t>
             </a:fld>
             <a:endParaRPr/>
           </a:p>
@@ -3301,7 +3296,7 @@
             <a:fld id="{03F41C87-7AD9-4845-A077-840E4A0F3F06}" type="datetimeFigureOut">
               <a:rPr lang="en-US"/>
               <a:pPr/>
-              <a:t>21-Jan-18</a:t>
+              <a:t>1/20/2018</a:t>
             </a:fld>
             <a:endParaRPr/>
           </a:p>
@@ -3555,7 +3550,7 @@
             <a:fld id="{03F41C87-7AD9-4845-A077-840E4A0F3F06}" type="datetimeFigureOut">
               <a:rPr lang="en-US" smtClean="0"/>
               <a:pPr/>
-              <a:t>21-Jan-18</a:t>
+              <a:t>1/20/2018</a:t>
             </a:fld>
             <a:endParaRPr lang="en-US"/>
           </a:p>
@@ -3988,10 +3983,9 @@
           <a:lstStyle/>
           <a:p>
             <a:r>
-              <a:rPr lang="en-US"/>
+              <a:rPr lang="en-US" dirty="0"/>
               <a:t>Smart Car </a:t>
             </a:r>
-            <a:endParaRPr lang="en-US" dirty="0"/>
           </a:p>
         </p:txBody>
       </p:sp>
@@ -4719,300 +4713,6 @@
     <p:extLst>
       <p:ext uri="{BB962C8B-B14F-4D97-AF65-F5344CB8AC3E}">
         <p14:creationId xmlns:p14="http://schemas.microsoft.com/office/powerpoint/2010/main" val="2757939065"/>
-      </p:ext>
-    </p:extLst>
-  </p:cSld>
-  <p:clrMapOvr>
-    <a:masterClrMapping/>
-  </p:clrMapOvr>
-  <mc:AlternateContent xmlns:mc="http://schemas.openxmlformats.org/markup-compatibility/2006" xmlns:p14="http://schemas.microsoft.com/office/powerpoint/2010/main">
-    <mc:Choice Requires="p14">
-      <p:transition spd="med" p14:dur="700">
-        <p:fade/>
-      </p:transition>
-    </mc:Choice>
-    <mc:Fallback xmlns="">
-      <p:transition spd="med">
-        <p:fade/>
-      </p:transition>
-    </mc:Fallback>
-  </mc:AlternateContent>
-</p:sld>
-</file>
-
-<file path=ppt/slides/slide7.xml><?xml version="1.0" encoding="utf-8"?>
-<p:sld xmlns:a="http://schemas.openxmlformats.org/drawingml/2006/main" xmlns:r="http://schemas.openxmlformats.org/officeDocument/2006/relationships" xmlns:p="http://schemas.openxmlformats.org/presentationml/2006/main">
-  <p:cSld>
-    <p:spTree>
-      <p:nvGrpSpPr>
-        <p:cNvPr id="1" name=""/>
-        <p:cNvGrpSpPr/>
-        <p:nvPr/>
-      </p:nvGrpSpPr>
-      <p:grpSpPr>
-        <a:xfrm>
-          <a:off x="0" y="0"/>
-          <a:ext cx="0" cy="0"/>
-          <a:chOff x="0" y="0"/>
-          <a:chExt cx="0" cy="0"/>
-        </a:xfrm>
-      </p:grpSpPr>
-      <p:sp>
-        <p:nvSpPr>
-          <p:cNvPr id="2" name="Title 1">
-            <a:extLst>
-              <a:ext uri="{FF2B5EF4-FFF2-40B4-BE49-F238E27FC236}">
-                <a16:creationId xmlns:a16="http://schemas.microsoft.com/office/drawing/2014/main" id="{4BEF5565-062D-486D-9E82-DEE7C139209C}"/>
-              </a:ext>
-            </a:extLst>
-          </p:cNvPr>
-          <p:cNvSpPr>
-            <a:spLocks noGrp="1"/>
-          </p:cNvSpPr>
-          <p:nvPr>
-            <p:ph type="title"/>
-          </p:nvPr>
-        </p:nvSpPr>
-        <p:spPr/>
-        <p:txBody>
-          <a:bodyPr/>
-          <a:lstStyle/>
-          <a:p>
-            <a:r>
-              <a:rPr lang="en-US" dirty="0"/>
-              <a:t>Team Details</a:t>
-            </a:r>
-          </a:p>
-        </p:txBody>
-      </p:sp>
-      <p:sp>
-        <p:nvSpPr>
-          <p:cNvPr id="3" name="Content Placeholder 2">
-            <a:extLst>
-              <a:ext uri="{FF2B5EF4-FFF2-40B4-BE49-F238E27FC236}">
-                <a16:creationId xmlns:a16="http://schemas.microsoft.com/office/drawing/2014/main" id="{317BECE9-CC6D-4BC5-A8AD-C0A6D6A58B0A}"/>
-              </a:ext>
-            </a:extLst>
-          </p:cNvPr>
-          <p:cNvSpPr>
-            <a:spLocks noGrp="1"/>
-          </p:cNvSpPr>
-          <p:nvPr>
-            <p:ph idx="1"/>
-          </p:nvPr>
-        </p:nvSpPr>
-        <p:spPr>
-          <a:xfrm>
-            <a:off x="1522413" y="1904999"/>
-            <a:ext cx="10260631" cy="4764361"/>
-          </a:xfrm>
-        </p:spPr>
-        <p:txBody>
-          <a:bodyPr>
-            <a:normAutofit fontScale="70000" lnSpcReduction="20000"/>
-          </a:bodyPr>
-          <a:lstStyle/>
-          <a:p>
-            <a:pPr marL="0" indent="0">
-              <a:lnSpc>
-                <a:spcPct val="150000"/>
-              </a:lnSpc>
-              <a:buNone/>
-            </a:pPr>
-            <a:r>
-              <a:rPr lang="en-US" sz="3100" b="1" dirty="0">
-                <a:solidFill>
-                  <a:schemeClr val="accent3">
-                    <a:lumMod val="60000"/>
-                    <a:lumOff val="40000"/>
-                  </a:schemeClr>
-                </a:solidFill>
-                <a:latin typeface="Arial" panose="020B0604020202020204" pitchFamily="34" charset="0"/>
-                <a:cs typeface="Arial" panose="020B0604020202020204" pitchFamily="34" charset="0"/>
-              </a:rPr>
-              <a:t>   Team Name :</a:t>
-            </a:r>
-            <a:r>
-              <a:rPr lang="en-US" sz="3100" b="1" dirty="0" err="1">
-                <a:solidFill>
-                  <a:schemeClr val="accent3">
-                    <a:lumMod val="60000"/>
-                    <a:lumOff val="40000"/>
-                  </a:schemeClr>
-                </a:solidFill>
-                <a:latin typeface="Arial" panose="020B0604020202020204" pitchFamily="34" charset="0"/>
-                <a:cs typeface="Arial" panose="020B0604020202020204" pitchFamily="34" charset="0"/>
-              </a:rPr>
-              <a:t>ismart</a:t>
-            </a:r>
-            <a:endParaRPr lang="en-US" sz="3100" b="1" dirty="0">
-              <a:solidFill>
-                <a:schemeClr val="accent3">
-                  <a:lumMod val="60000"/>
-                  <a:lumOff val="40000"/>
-                </a:schemeClr>
-              </a:solidFill>
-              <a:latin typeface="Arial" panose="020B0604020202020204" pitchFamily="34" charset="0"/>
-              <a:cs typeface="Arial" panose="020B0604020202020204" pitchFamily="34" charset="0"/>
-            </a:endParaRPr>
-          </a:p>
-          <a:p>
-            <a:pPr>
-              <a:lnSpc>
-                <a:spcPct val="150000"/>
-              </a:lnSpc>
-            </a:pPr>
-            <a:r>
-              <a:rPr lang="en-US" sz="3400" b="1" dirty="0"/>
-              <a:t>1.</a:t>
-            </a:r>
-            <a:r>
-              <a:rPr lang="en-US" sz="3400" b="1" dirty="0">
-                <a:solidFill>
-                  <a:schemeClr val="accent3">
-                    <a:lumMod val="60000"/>
-                    <a:lumOff val="40000"/>
-                  </a:schemeClr>
-                </a:solidFill>
-              </a:rPr>
-              <a:t>N.Sujith Mohan</a:t>
-            </a:r>
-          </a:p>
-          <a:p>
-            <a:pPr marL="0" indent="0">
-              <a:lnSpc>
-                <a:spcPct val="150000"/>
-              </a:lnSpc>
-              <a:buNone/>
-            </a:pPr>
-            <a:r>
-              <a:rPr lang="en-US" sz="3400" dirty="0"/>
-              <a:t> </a:t>
-            </a:r>
-            <a:r>
-              <a:rPr lang="en-US" sz="3400" dirty="0">
-                <a:latin typeface="Arial" panose="020B0604020202020204" pitchFamily="34" charset="0"/>
-                <a:cs typeface="Arial" panose="020B0604020202020204" pitchFamily="34" charset="0"/>
-              </a:rPr>
-              <a:t>Phno:8019610236</a:t>
-            </a:r>
-          </a:p>
-          <a:p>
-            <a:pPr marL="0" indent="0">
-              <a:lnSpc>
-                <a:spcPct val="150000"/>
-              </a:lnSpc>
-              <a:buNone/>
-            </a:pPr>
-            <a:r>
-              <a:rPr lang="en-US" sz="3400" dirty="0">
-                <a:latin typeface="Arial" panose="020B0604020202020204" pitchFamily="34" charset="0"/>
-                <a:cs typeface="Arial" panose="020B0604020202020204" pitchFamily="34" charset="0"/>
-              </a:rPr>
-              <a:t>  Email:nmohan1997@gmail.com	</a:t>
-            </a:r>
-          </a:p>
-          <a:p>
-            <a:pPr>
-              <a:lnSpc>
-                <a:spcPct val="150000"/>
-              </a:lnSpc>
-            </a:pPr>
-            <a:r>
-              <a:rPr lang="en-US" sz="3400" b="1" dirty="0"/>
-              <a:t>2</a:t>
-            </a:r>
-            <a:r>
-              <a:rPr lang="en-US" sz="3400" b="1" dirty="0">
-                <a:solidFill>
-                  <a:schemeClr val="accent3">
-                    <a:lumMod val="60000"/>
-                    <a:lumOff val="40000"/>
-                  </a:schemeClr>
-                </a:solidFill>
-              </a:rPr>
-              <a:t>.MD.Sahil </a:t>
-            </a:r>
-            <a:r>
-              <a:rPr lang="en-US" sz="3400" b="1" dirty="0" err="1">
-                <a:solidFill>
-                  <a:schemeClr val="accent3">
-                    <a:lumMod val="60000"/>
-                    <a:lumOff val="40000"/>
-                  </a:schemeClr>
-                </a:solidFill>
-              </a:rPr>
-              <a:t>Afrid</a:t>
-            </a:r>
-            <a:r>
-              <a:rPr lang="en-US" sz="3400" b="1" dirty="0">
-                <a:solidFill>
-                  <a:schemeClr val="accent3">
-                    <a:lumMod val="60000"/>
-                    <a:lumOff val="40000"/>
-                  </a:schemeClr>
-                </a:solidFill>
-              </a:rPr>
-              <a:t> </a:t>
-            </a:r>
-            <a:r>
-              <a:rPr lang="en-US" sz="3400" b="1" dirty="0" err="1">
-                <a:solidFill>
-                  <a:schemeClr val="accent3">
-                    <a:lumMod val="60000"/>
-                    <a:lumOff val="40000"/>
-                  </a:schemeClr>
-                </a:solidFill>
-              </a:rPr>
-              <a:t>Farookhi</a:t>
-            </a:r>
-            <a:endParaRPr lang="en-US" sz="3400" b="1" dirty="0">
-              <a:solidFill>
-                <a:schemeClr val="accent3">
-                  <a:lumMod val="60000"/>
-                  <a:lumOff val="40000"/>
-                </a:schemeClr>
-              </a:solidFill>
-            </a:endParaRPr>
-          </a:p>
-          <a:p>
-            <a:pPr>
-              <a:lnSpc>
-                <a:spcPct val="150000"/>
-              </a:lnSpc>
-            </a:pPr>
-            <a:r>
-              <a:rPr lang="en-US" sz="3400" dirty="0">
-                <a:latin typeface="Arial" panose="020B0604020202020204" pitchFamily="34" charset="0"/>
-                <a:cs typeface="Arial" panose="020B0604020202020204" pitchFamily="34" charset="0"/>
-              </a:rPr>
-              <a:t>Phno:73372888092</a:t>
-            </a:r>
-          </a:p>
-          <a:p>
-            <a:pPr>
-              <a:lnSpc>
-                <a:spcPct val="150000"/>
-              </a:lnSpc>
-            </a:pPr>
-            <a:r>
-              <a:rPr lang="en-US" sz="3400" dirty="0" err="1">
-                <a:latin typeface="Arial" panose="020B0604020202020204" pitchFamily="34" charset="0"/>
-                <a:cs typeface="Arial" panose="020B0604020202020204" pitchFamily="34" charset="0"/>
-              </a:rPr>
-              <a:t>Email:msafarookhi@gmail.com</a:t>
-            </a:r>
-            <a:endParaRPr lang="en-US" sz="3400" dirty="0">
-              <a:latin typeface="Arial" panose="020B0604020202020204" pitchFamily="34" charset="0"/>
-              <a:cs typeface="Arial" panose="020B0604020202020204" pitchFamily="34" charset="0"/>
-            </a:endParaRPr>
-          </a:p>
-        </p:txBody>
-      </p:sp>
-    </p:spTree>
-    <p:extLst>
-      <p:ext uri="{BB962C8B-B14F-4D97-AF65-F5344CB8AC3E}">
-        <p14:creationId xmlns:p14="http://schemas.microsoft.com/office/powerpoint/2010/main" val="894418682"/>
       </p:ext>
     </p:extLst>
   </p:cSld>
